--- a/Presentation.pptx
+++ b/Presentation.pptx
@@ -9,7 +9,7 @@
     <p:sldId id="257" r:id="rId3"/>
     <p:sldId id="264" r:id="rId4"/>
     <p:sldId id="258" r:id="rId5"/>
-    <p:sldId id="259" r:id="rId6"/>
+    <p:sldId id="265" r:id="rId6"/>
     <p:sldId id="260" r:id="rId7"/>
     <p:sldId id="261" r:id="rId8"/>
     <p:sldId id="262" r:id="rId9"/>
@@ -122,9 +122,130 @@
 <file path=ppt/revisionInfo.xml><?xml version="1.0" encoding="utf-8"?>
 <p1510:revInfo xmlns:a="http://schemas.openxmlformats.org/drawingml/2006/main" xmlns:r="http://schemas.openxmlformats.org/officeDocument/2006/relationships" xmlns:p1510="http://schemas.microsoft.com/office/powerpoint/2015/10/main">
   <p1510:revLst>
-    <p1510:client id="{973C9DCA-1E9A-4839-BC2E-67A821AA096A}" v="351" dt="2021-12-07T23:31:26.800"/>
+    <p1510:client id="{9CEAB39E-DC68-4BE9-8740-AC3A7A5000DA}" v="4" dt="2021-12-09T01:06:58.679"/>
   </p1510:revLst>
 </p1510:revInfo>
+</file>
+
+<file path=ppt/changesInfos/changesInfo1.xml><?xml version="1.0" encoding="utf-8"?>
+<pc:chgInfo xmlns:a="http://schemas.openxmlformats.org/drawingml/2006/main" xmlns:r="http://schemas.openxmlformats.org/officeDocument/2006/relationships" xmlns:ac="http://schemas.microsoft.com/office/drawing/2013/main/command" xmlns:pc="http://schemas.microsoft.com/office/powerpoint/2013/main/command">
+  <pc:docChgLst>
+    <pc:chgData name="Cameron Lormont" userId="1c6528f2150fd5ee" providerId="LiveId" clId="{9CEAB39E-DC68-4BE9-8740-AC3A7A5000DA}"/>
+    <pc:docChg chg="undo custSel addSld delSld modSld">
+      <pc:chgData name="Cameron Lormont" userId="1c6528f2150fd5ee" providerId="LiveId" clId="{9CEAB39E-DC68-4BE9-8740-AC3A7A5000DA}" dt="2021-12-09T01:07:25.547" v="99" actId="20577"/>
+      <pc:docMkLst>
+        <pc:docMk/>
+      </pc:docMkLst>
+      <pc:sldChg chg="addSp delSp modSp mod">
+        <pc:chgData name="Cameron Lormont" userId="1c6528f2150fd5ee" providerId="LiveId" clId="{9CEAB39E-DC68-4BE9-8740-AC3A7A5000DA}" dt="2021-12-09T01:05:20.541" v="21" actId="1076"/>
+        <pc:sldMkLst>
+          <pc:docMk/>
+          <pc:sldMk cId="3428181655" sldId="258"/>
+        </pc:sldMkLst>
+        <pc:spChg chg="mod">
+          <ac:chgData name="Cameron Lormont" userId="1c6528f2150fd5ee" providerId="LiveId" clId="{9CEAB39E-DC68-4BE9-8740-AC3A7A5000DA}" dt="2021-12-09T01:05:12.572" v="16" actId="14100"/>
+          <ac:spMkLst>
+            <pc:docMk/>
+            <pc:sldMk cId="3428181655" sldId="258"/>
+            <ac:spMk id="3" creationId="{08765946-12A0-460B-BD8B-7E062A674DC8}"/>
+          </ac:spMkLst>
+        </pc:spChg>
+        <pc:picChg chg="del">
+          <ac:chgData name="Cameron Lormont" userId="1c6528f2150fd5ee" providerId="LiveId" clId="{9CEAB39E-DC68-4BE9-8740-AC3A7A5000DA}" dt="2021-12-09T01:02:34.032" v="0" actId="478"/>
+          <ac:picMkLst>
+            <pc:docMk/>
+            <pc:sldMk cId="3428181655" sldId="258"/>
+            <ac:picMk id="4" creationId="{DC44A509-087F-4E6D-99D4-D40DEE3A09B0}"/>
+          </ac:picMkLst>
+        </pc:picChg>
+        <pc:picChg chg="add mod">
+          <ac:chgData name="Cameron Lormont" userId="1c6528f2150fd5ee" providerId="LiveId" clId="{9CEAB39E-DC68-4BE9-8740-AC3A7A5000DA}" dt="2021-12-09T01:05:20.541" v="21" actId="1076"/>
+          <ac:picMkLst>
+            <pc:docMk/>
+            <pc:sldMk cId="3428181655" sldId="258"/>
+            <ac:picMk id="6" creationId="{47A37E60-334A-4241-9CC1-27C93E717EAE}"/>
+          </ac:picMkLst>
+        </pc:picChg>
+      </pc:sldChg>
+      <pc:sldChg chg="del">
+        <pc:chgData name="Cameron Lormont" userId="1c6528f2150fd5ee" providerId="LiveId" clId="{9CEAB39E-DC68-4BE9-8740-AC3A7A5000DA}" dt="2021-12-09T01:02:36.142" v="1" actId="47"/>
+        <pc:sldMkLst>
+          <pc:docMk/>
+          <pc:sldMk cId="2835149300" sldId="259"/>
+        </pc:sldMkLst>
+      </pc:sldChg>
+      <pc:sldChg chg="addSp delSp modSp mod">
+        <pc:chgData name="Cameron Lormont" userId="1c6528f2150fd5ee" providerId="LiveId" clId="{9CEAB39E-DC68-4BE9-8740-AC3A7A5000DA}" dt="2021-12-09T01:07:08.055" v="95" actId="1076"/>
+        <pc:sldMkLst>
+          <pc:docMk/>
+          <pc:sldMk cId="2397939490" sldId="260"/>
+        </pc:sldMkLst>
+        <pc:picChg chg="add del mod">
+          <ac:chgData name="Cameron Lormont" userId="1c6528f2150fd5ee" providerId="LiveId" clId="{9CEAB39E-DC68-4BE9-8740-AC3A7A5000DA}" dt="2021-12-09T01:04:42.616" v="6" actId="478"/>
+          <ac:picMkLst>
+            <pc:docMk/>
+            <pc:sldMk cId="2397939490" sldId="260"/>
+            <ac:picMk id="5" creationId="{5F4AAEF3-3FB7-4BC9-BA07-E6006E562C98}"/>
+          </ac:picMkLst>
+        </pc:picChg>
+        <pc:picChg chg="add mod">
+          <ac:chgData name="Cameron Lormont" userId="1c6528f2150fd5ee" providerId="LiveId" clId="{9CEAB39E-DC68-4BE9-8740-AC3A7A5000DA}" dt="2021-12-09T01:07:08.055" v="95" actId="1076"/>
+          <ac:picMkLst>
+            <pc:docMk/>
+            <pc:sldMk cId="2397939490" sldId="260"/>
+            <ac:picMk id="7" creationId="{107D929D-A306-4015-AF4D-11572C34D616}"/>
+          </ac:picMkLst>
+        </pc:picChg>
+      </pc:sldChg>
+      <pc:sldChg chg="modSp mod">
+        <pc:chgData name="Cameron Lormont" userId="1c6528f2150fd5ee" providerId="LiveId" clId="{9CEAB39E-DC68-4BE9-8740-AC3A7A5000DA}" dt="2021-12-09T01:07:25.547" v="99" actId="20577"/>
+        <pc:sldMkLst>
+          <pc:docMk/>
+          <pc:sldMk cId="2457275692" sldId="262"/>
+        </pc:sldMkLst>
+        <pc:spChg chg="mod">
+          <ac:chgData name="Cameron Lormont" userId="1c6528f2150fd5ee" providerId="LiveId" clId="{9CEAB39E-DC68-4BE9-8740-AC3A7A5000DA}" dt="2021-12-09T01:07:25.547" v="99" actId="20577"/>
+          <ac:spMkLst>
+            <pc:docMk/>
+            <pc:sldMk cId="2457275692" sldId="262"/>
+            <ac:spMk id="3" creationId="{07210557-2CD3-4DA7-98CD-42C51B968059}"/>
+          </ac:spMkLst>
+        </pc:spChg>
+      </pc:sldChg>
+      <pc:sldChg chg="addSp modSp new mod">
+        <pc:chgData name="Cameron Lormont" userId="1c6528f2150fd5ee" providerId="LiveId" clId="{9CEAB39E-DC68-4BE9-8740-AC3A7A5000DA}" dt="2021-12-09T01:06:26.737" v="91" actId="20577"/>
+        <pc:sldMkLst>
+          <pc:docMk/>
+          <pc:sldMk cId="2305231427" sldId="265"/>
+        </pc:sldMkLst>
+        <pc:spChg chg="mod">
+          <ac:chgData name="Cameron Lormont" userId="1c6528f2150fd5ee" providerId="LiveId" clId="{9CEAB39E-DC68-4BE9-8740-AC3A7A5000DA}" dt="2021-12-09T01:05:43.149" v="23"/>
+          <ac:spMkLst>
+            <pc:docMk/>
+            <pc:sldMk cId="2305231427" sldId="265"/>
+            <ac:spMk id="2" creationId="{926CFC0C-E8F1-4A6D-BD7B-DBD55CEC5BBC}"/>
+          </ac:spMkLst>
+        </pc:spChg>
+        <pc:spChg chg="mod">
+          <ac:chgData name="Cameron Lormont" userId="1c6528f2150fd5ee" providerId="LiveId" clId="{9CEAB39E-DC68-4BE9-8740-AC3A7A5000DA}" dt="2021-12-09T01:06:26.737" v="91" actId="20577"/>
+          <ac:spMkLst>
+            <pc:docMk/>
+            <pc:sldMk cId="2305231427" sldId="265"/>
+            <ac:spMk id="3" creationId="{11AF64FC-5D5A-4601-BB62-68F22B494A2F}"/>
+          </ac:spMkLst>
+        </pc:spChg>
+        <pc:picChg chg="add mod">
+          <ac:chgData name="Cameron Lormont" userId="1c6528f2150fd5ee" providerId="LiveId" clId="{9CEAB39E-DC68-4BE9-8740-AC3A7A5000DA}" dt="2021-12-09T01:06:21.966" v="81" actId="1076"/>
+          <ac:picMkLst>
+            <pc:docMk/>
+            <pc:sldMk cId="2305231427" sldId="265"/>
+            <ac:picMk id="5" creationId="{C7F32B0E-E951-4CD3-BB1D-EA649B7A3569}"/>
+          </ac:picMkLst>
+        </pc:picChg>
+      </pc:sldChg>
+    </pc:docChg>
+  </pc:docChgLst>
+</pc:chgInfo>
 </file>
 
 <file path=ppt/slideLayouts/slideLayout1.xml><?xml version="1.0" encoding="utf-8"?>
@@ -258,7 +379,7 @@
           <a:p>
             <a:fld id="{846CE7D5-CF57-46EF-B807-FDD0502418D4}" type="datetimeFigureOut">
               <a:rPr lang="en-US" smtClean="0"/>
-              <a:t>12/7/2021</a:t>
+              <a:t>12/9/2021</a:t>
             </a:fld>
             <a:endParaRPr lang="en-US"/>
           </a:p>
@@ -300,7 +421,7 @@
           <a:p>
             <a:fld id="{330EA680-D336-4FF7-8B7A-9848BB0A1C32}" type="slidenum">
               <a:rPr lang="en-US" smtClean="0"/>
-              <a:t>‹#›</a:t>
+              <a:t>‹N°›</a:t>
             </a:fld>
             <a:endParaRPr lang="en-US"/>
           </a:p>
@@ -428,7 +549,7 @@
           <a:p>
             <a:fld id="{846CE7D5-CF57-46EF-B807-FDD0502418D4}" type="datetimeFigureOut">
               <a:rPr lang="en-US" smtClean="0"/>
-              <a:t>12/7/2021</a:t>
+              <a:t>12/9/2021</a:t>
             </a:fld>
             <a:endParaRPr lang="en-US"/>
           </a:p>
@@ -470,7 +591,7 @@
           <a:p>
             <a:fld id="{330EA680-D336-4FF7-8B7A-9848BB0A1C32}" type="slidenum">
               <a:rPr lang="en-US" smtClean="0"/>
-              <a:t>‹#›</a:t>
+              <a:t>‹N°›</a:t>
             </a:fld>
             <a:endParaRPr lang="en-US"/>
           </a:p>
@@ -608,7 +729,7 @@
           <a:p>
             <a:fld id="{846CE7D5-CF57-46EF-B807-FDD0502418D4}" type="datetimeFigureOut">
               <a:rPr lang="en-US" smtClean="0"/>
-              <a:t>12/7/2021</a:t>
+              <a:t>12/9/2021</a:t>
             </a:fld>
             <a:endParaRPr lang="en-US"/>
           </a:p>
@@ -650,7 +771,7 @@
           <a:p>
             <a:fld id="{330EA680-D336-4FF7-8B7A-9848BB0A1C32}" type="slidenum">
               <a:rPr lang="en-US" smtClean="0"/>
-              <a:t>‹#›</a:t>
+              <a:t>‹N°›</a:t>
             </a:fld>
             <a:endParaRPr lang="en-US"/>
           </a:p>
@@ -778,7 +899,7 @@
           <a:p>
             <a:fld id="{846CE7D5-CF57-46EF-B807-FDD0502418D4}" type="datetimeFigureOut">
               <a:rPr lang="en-US" smtClean="0"/>
-              <a:t>12/7/2021</a:t>
+              <a:t>12/9/2021</a:t>
             </a:fld>
             <a:endParaRPr lang="en-US"/>
           </a:p>
@@ -820,7 +941,7 @@
           <a:p>
             <a:fld id="{330EA680-D336-4FF7-8B7A-9848BB0A1C32}" type="slidenum">
               <a:rPr lang="en-US" smtClean="0"/>
-              <a:t>‹#›</a:t>
+              <a:t>‹N°›</a:t>
             </a:fld>
             <a:endParaRPr lang="en-US"/>
           </a:p>
@@ -1024,7 +1145,7 @@
           <a:p>
             <a:fld id="{846CE7D5-CF57-46EF-B807-FDD0502418D4}" type="datetimeFigureOut">
               <a:rPr lang="en-US" smtClean="0"/>
-              <a:t>12/7/2021</a:t>
+              <a:t>12/9/2021</a:t>
             </a:fld>
             <a:endParaRPr lang="en-US"/>
           </a:p>
@@ -1066,7 +1187,7 @@
           <a:p>
             <a:fld id="{330EA680-D336-4FF7-8B7A-9848BB0A1C32}" type="slidenum">
               <a:rPr lang="en-US" smtClean="0"/>
-              <a:t>‹#›</a:t>
+              <a:t>‹N°›</a:t>
             </a:fld>
             <a:endParaRPr lang="en-US"/>
           </a:p>
@@ -1256,7 +1377,7 @@
           <a:p>
             <a:fld id="{846CE7D5-CF57-46EF-B807-FDD0502418D4}" type="datetimeFigureOut">
               <a:rPr lang="en-US" smtClean="0"/>
-              <a:t>12/7/2021</a:t>
+              <a:t>12/9/2021</a:t>
             </a:fld>
             <a:endParaRPr lang="en-US"/>
           </a:p>
@@ -1298,7 +1419,7 @@
           <a:p>
             <a:fld id="{330EA680-D336-4FF7-8B7A-9848BB0A1C32}" type="slidenum">
               <a:rPr lang="en-US" smtClean="0"/>
-              <a:t>‹#›</a:t>
+              <a:t>‹N°›</a:t>
             </a:fld>
             <a:endParaRPr lang="en-US"/>
           </a:p>
@@ -1623,7 +1744,7 @@
           <a:p>
             <a:fld id="{846CE7D5-CF57-46EF-B807-FDD0502418D4}" type="datetimeFigureOut">
               <a:rPr lang="en-US" smtClean="0"/>
-              <a:t>12/7/2021</a:t>
+              <a:t>12/9/2021</a:t>
             </a:fld>
             <a:endParaRPr lang="en-US"/>
           </a:p>
@@ -1665,7 +1786,7 @@
           <a:p>
             <a:fld id="{330EA680-D336-4FF7-8B7A-9848BB0A1C32}" type="slidenum">
               <a:rPr lang="en-US" smtClean="0"/>
-              <a:t>‹#›</a:t>
+              <a:t>‹N°›</a:t>
             </a:fld>
             <a:endParaRPr lang="en-US"/>
           </a:p>
@@ -1741,7 +1862,7 @@
           <a:p>
             <a:fld id="{846CE7D5-CF57-46EF-B807-FDD0502418D4}" type="datetimeFigureOut">
               <a:rPr lang="en-US" smtClean="0"/>
-              <a:t>12/7/2021</a:t>
+              <a:t>12/9/2021</a:t>
             </a:fld>
             <a:endParaRPr lang="en-US"/>
           </a:p>
@@ -1783,7 +1904,7 @@
           <a:p>
             <a:fld id="{330EA680-D336-4FF7-8B7A-9848BB0A1C32}" type="slidenum">
               <a:rPr lang="en-US" smtClean="0"/>
-              <a:t>‹#›</a:t>
+              <a:t>‹N°›</a:t>
             </a:fld>
             <a:endParaRPr lang="en-US"/>
           </a:p>
@@ -1836,7 +1957,7 @@
           <a:p>
             <a:fld id="{846CE7D5-CF57-46EF-B807-FDD0502418D4}" type="datetimeFigureOut">
               <a:rPr lang="en-US" smtClean="0"/>
-              <a:t>12/7/2021</a:t>
+              <a:t>12/9/2021</a:t>
             </a:fld>
             <a:endParaRPr lang="en-US"/>
           </a:p>
@@ -1878,7 +1999,7 @@
           <a:p>
             <a:fld id="{330EA680-D336-4FF7-8B7A-9848BB0A1C32}" type="slidenum">
               <a:rPr lang="en-US" smtClean="0"/>
-              <a:t>‹#›</a:t>
+              <a:t>‹N°›</a:t>
             </a:fld>
             <a:endParaRPr lang="en-US"/>
           </a:p>
@@ -2113,7 +2234,7 @@
           <a:p>
             <a:fld id="{846CE7D5-CF57-46EF-B807-FDD0502418D4}" type="datetimeFigureOut">
               <a:rPr lang="en-US" smtClean="0"/>
-              <a:t>12/7/2021</a:t>
+              <a:t>12/9/2021</a:t>
             </a:fld>
             <a:endParaRPr lang="en-US"/>
           </a:p>
@@ -2155,7 +2276,7 @@
           <a:p>
             <a:fld id="{330EA680-D336-4FF7-8B7A-9848BB0A1C32}" type="slidenum">
               <a:rPr lang="en-US" smtClean="0"/>
-              <a:t>‹#›</a:t>
+              <a:t>‹N°›</a:t>
             </a:fld>
             <a:endParaRPr lang="en-US"/>
           </a:p>
@@ -2370,7 +2491,7 @@
           <a:p>
             <a:fld id="{846CE7D5-CF57-46EF-B807-FDD0502418D4}" type="datetimeFigureOut">
               <a:rPr lang="en-US" smtClean="0"/>
-              <a:t>12/7/2021</a:t>
+              <a:t>12/9/2021</a:t>
             </a:fld>
             <a:endParaRPr lang="en-US"/>
           </a:p>
@@ -2412,7 +2533,7 @@
           <a:p>
             <a:fld id="{330EA680-D336-4FF7-8B7A-9848BB0A1C32}" type="slidenum">
               <a:rPr lang="en-US" smtClean="0"/>
-              <a:t>‹#›</a:t>
+              <a:t>‹N°›</a:t>
             </a:fld>
             <a:endParaRPr lang="en-US"/>
           </a:p>
@@ -2583,7 +2704,7 @@
           <a:p>
             <a:fld id="{846CE7D5-CF57-46EF-B807-FDD0502418D4}" type="datetimeFigureOut">
               <a:rPr lang="en-US" smtClean="0"/>
-              <a:t>12/7/2021</a:t>
+              <a:t>12/9/2021</a:t>
             </a:fld>
             <a:endParaRPr lang="en-US"/>
           </a:p>
@@ -2661,7 +2782,7 @@
           <a:p>
             <a:fld id="{330EA680-D336-4FF7-8B7A-9848BB0A1C32}" type="slidenum">
               <a:rPr lang="en-US" smtClean="0"/>
-              <a:t>‹#›</a:t>
+              <a:t>‹N°›</a:t>
             </a:fld>
             <a:endParaRPr lang="en-US"/>
           </a:p>
@@ -3141,13 +3262,13 @@
         </p:nvSpPr>
         <p:spPr>
           <a:xfrm>
-            <a:off x="838200" y="1825625"/>
-            <a:ext cx="10515600" cy="446088"/>
+            <a:off x="838200" y="1825624"/>
+            <a:ext cx="5857240" cy="3965575"/>
           </a:xfrm>
         </p:spPr>
         <p:txBody>
           <a:bodyPr vert="horz" lIns="91440" tIns="45720" rIns="91440" bIns="45720" rtlCol="0" anchor="t">
-            <a:normAutofit lnSpcReduction="10000"/>
+            <a:normAutofit/>
           </a:bodyPr>
           <a:lstStyle/>
           <a:p>
@@ -3158,17 +3279,40 @@
               <a:rPr lang="en-US" dirty="0">
                 <a:cs typeface="Calibri"/>
               </a:rPr>
-              <a:t>We set up 3 movie for the app so the user can choose what he wants</a:t>
+              <a:t>We set up </a:t>
+            </a:r>
+            <a:r>
+              <a:rPr lang="en-US" dirty="0" err="1">
+                <a:cs typeface="Calibri"/>
+              </a:rPr>
+              <a:t>severals</a:t>
+            </a:r>
+            <a:r>
+              <a:rPr lang="en-US" dirty="0">
+                <a:cs typeface="Calibri"/>
+              </a:rPr>
+              <a:t> movies for the app </a:t>
+            </a:r>
+          </a:p>
+          <a:p>
+            <a:pPr marL="0" indent="0">
+              <a:buNone/>
+            </a:pPr>
+            <a:r>
+              <a:rPr lang="en-US" dirty="0">
+                <a:cs typeface="Calibri"/>
+              </a:rPr>
+              <a:t>so the user can choose what he wants</a:t>
             </a:r>
           </a:p>
         </p:txBody>
       </p:sp>
       <p:pic>
         <p:nvPicPr>
-          <p:cNvPr id="4" name="Picture 4">
+          <p:cNvPr id="8" name="Image 7" descr="Une image contenant texte, équipement électronique&#10;&#10;Description générée automatiquement">
             <a:extLst>
               <a:ext uri="{FF2B5EF4-FFF2-40B4-BE49-F238E27FC236}">
-                <a16:creationId xmlns:a16="http://schemas.microsoft.com/office/drawing/2014/main" id="{F5045466-3205-4D4B-893C-8DD537FCD7B2}"/>
+                <a16:creationId xmlns:a16="http://schemas.microsoft.com/office/drawing/2014/main" id="{FE34D645-0EF7-4E11-9AB8-3E4B3C864633}"/>
               </a:ext>
             </a:extLst>
           </p:cNvPr>
@@ -3178,75 +3322,21 @@
           <p:nvPr/>
         </p:nvPicPr>
         <p:blipFill>
-          <a:blip r:embed="rId2"/>
+          <a:blip r:embed="rId2">
+            <a:extLst>
+              <a:ext uri="{28A0092B-C50C-407E-A947-70E740481C1C}">
+                <a14:useLocalDpi xmlns:a14="http://schemas.microsoft.com/office/drawing/2010/main" val="0"/>
+              </a:ext>
+            </a:extLst>
+          </a:blip>
           <a:stretch>
             <a:fillRect/>
           </a:stretch>
         </p:blipFill>
         <p:spPr>
           <a:xfrm>
-            <a:off x="840856" y="2277374"/>
-            <a:ext cx="2315195" cy="4114800"/>
-          </a:xfrm>
-          <a:prstGeom prst="rect">
-            <a:avLst/>
-          </a:prstGeom>
-        </p:spPr>
-      </p:pic>
-      <p:pic>
-        <p:nvPicPr>
-          <p:cNvPr id="5" name="Picture 5" descr="A picture containing text, electronics&#10;&#10;Description automatically generated">
-            <a:extLst>
-              <a:ext uri="{FF2B5EF4-FFF2-40B4-BE49-F238E27FC236}">
-                <a16:creationId xmlns:a16="http://schemas.microsoft.com/office/drawing/2014/main" id="{53793B74-917F-40F4-92B0-8DA996460646}"/>
-              </a:ext>
-            </a:extLst>
-          </p:cNvPr>
-          <p:cNvPicPr>
-            <a:picLocks noChangeAspect="1"/>
-          </p:cNvPicPr>
-          <p:nvPr/>
-        </p:nvPicPr>
-        <p:blipFill>
-          <a:blip r:embed="rId3"/>
-          <a:stretch>
-            <a:fillRect/>
-          </a:stretch>
-        </p:blipFill>
-        <p:spPr>
-          <a:xfrm>
-            <a:off x="4942271" y="2277374"/>
-            <a:ext cx="2307457" cy="4114800"/>
-          </a:xfrm>
-          <a:prstGeom prst="rect">
-            <a:avLst/>
-          </a:prstGeom>
-        </p:spPr>
-      </p:pic>
-      <p:pic>
-        <p:nvPicPr>
-          <p:cNvPr id="6" name="Picture 6">
-            <a:extLst>
-              <a:ext uri="{FF2B5EF4-FFF2-40B4-BE49-F238E27FC236}">
-                <a16:creationId xmlns:a16="http://schemas.microsoft.com/office/drawing/2014/main" id="{3C43ED2F-B637-4282-AA3A-AF0C7A3CD1F8}"/>
-              </a:ext>
-            </a:extLst>
-          </p:cNvPr>
-          <p:cNvPicPr>
-            <a:picLocks noChangeAspect="1"/>
-          </p:cNvPicPr>
-          <p:nvPr/>
-        </p:nvPicPr>
-        <p:blipFill>
-          <a:blip r:embed="rId4"/>
-          <a:stretch>
-            <a:fillRect/>
-          </a:stretch>
-        </p:blipFill>
-        <p:spPr>
-          <a:xfrm>
-            <a:off x="9029915" y="2277374"/>
-            <a:ext cx="2327264" cy="4114800"/>
+            <a:off x="8399780" y="421005"/>
+            <a:ext cx="2849880" cy="6195060"/>
           </a:xfrm>
           <a:prstGeom prst="rect">
             <a:avLst/>
@@ -3332,13 +3422,13 @@
         </p:nvSpPr>
         <p:spPr>
           <a:xfrm>
-            <a:off x="838200" y="1825625"/>
-            <a:ext cx="10515600" cy="446088"/>
+            <a:off x="838200" y="1825624"/>
+            <a:ext cx="5257800" cy="4189095"/>
           </a:xfrm>
         </p:spPr>
         <p:txBody>
           <a:bodyPr vert="horz" lIns="91440" tIns="45720" rIns="91440" bIns="45720" rtlCol="0" anchor="t">
-            <a:normAutofit lnSpcReduction="10000"/>
+            <a:normAutofit/>
           </a:bodyPr>
           <a:lstStyle/>
           <a:p>
@@ -3349,7 +3439,18 @@
               <a:rPr lang="en-US" dirty="0">
                 <a:cs typeface="Calibri"/>
               </a:rPr>
-              <a:t>When we click on a schedule we can go on the seating page</a:t>
+              <a:t>When we click on a schedule </a:t>
+            </a:r>
+          </a:p>
+          <a:p>
+            <a:pPr marL="0" indent="0">
+              <a:buNone/>
+            </a:pPr>
+            <a:r>
+              <a:rPr lang="en-US" dirty="0">
+                <a:cs typeface="Calibri"/>
+              </a:rPr>
+              <a:t>we can choose how many people we will be and see the price and then go to the seating page </a:t>
             </a:r>
             <a:endParaRPr lang="en-US" dirty="0"/>
           </a:p>
@@ -3357,10 +3458,10 @@
       </p:sp>
       <p:pic>
         <p:nvPicPr>
-          <p:cNvPr id="7" name="Picture 7" descr="Graphical user interface, website&#10;&#10;Description automatically generated">
+          <p:cNvPr id="5" name="Image 4" descr="Une image contenant texte&#10;&#10;Description générée automatiquement">
             <a:extLst>
               <a:ext uri="{FF2B5EF4-FFF2-40B4-BE49-F238E27FC236}">
-                <a16:creationId xmlns:a16="http://schemas.microsoft.com/office/drawing/2014/main" id="{AD67B4C8-3DF7-45E4-81E3-7255B683E9AF}"/>
+                <a16:creationId xmlns:a16="http://schemas.microsoft.com/office/drawing/2014/main" id="{54CACF97-03F7-4737-B150-520989AEE097}"/>
               </a:ext>
             </a:extLst>
           </p:cNvPr>
@@ -3370,15 +3471,21 @@
           <p:nvPr/>
         </p:nvPicPr>
         <p:blipFill>
-          <a:blip r:embed="rId2"/>
+          <a:blip r:embed="rId2">
+            <a:extLst>
+              <a:ext uri="{28A0092B-C50C-407E-A947-70E740481C1C}">
+                <a14:useLocalDpi xmlns:a14="http://schemas.microsoft.com/office/drawing/2010/main" val="0"/>
+              </a:ext>
+            </a:extLst>
+          </a:blip>
           <a:stretch>
             <a:fillRect/>
           </a:stretch>
         </p:blipFill>
         <p:spPr>
           <a:xfrm>
-            <a:off x="4936554" y="2419350"/>
-            <a:ext cx="2318892" cy="4114800"/>
+            <a:off x="8724900" y="290195"/>
+            <a:ext cx="2849880" cy="6202680"/>
           </a:xfrm>
           <a:prstGeom prst="rect">
             <a:avLst/>
@@ -3464,13 +3571,13 @@
         </p:nvSpPr>
         <p:spPr>
           <a:xfrm>
-            <a:off x="838200" y="1825625"/>
-            <a:ext cx="10515600" cy="446088"/>
+            <a:off x="838200" y="1825624"/>
+            <a:ext cx="5410200" cy="3914775"/>
           </a:xfrm>
         </p:spPr>
         <p:txBody>
           <a:bodyPr vert="horz" lIns="91440" tIns="45720" rIns="91440" bIns="45720" rtlCol="0" anchor="t">
-            <a:normAutofit lnSpcReduction="10000"/>
+            <a:normAutofit/>
           </a:bodyPr>
           <a:lstStyle/>
           <a:p>
@@ -3481,17 +3588,28 @@
               <a:rPr lang="en-US" dirty="0">
                 <a:cs typeface="Calibri"/>
               </a:rPr>
-              <a:t>On this page, we have a 100 seats that we can choose</a:t>
+              <a:t>On this page, we have a 100 seats</a:t>
+            </a:r>
+          </a:p>
+          <a:p>
+            <a:pPr marL="0" indent="0">
+              <a:buNone/>
+            </a:pPr>
+            <a:r>
+              <a:rPr lang="en-US" dirty="0">
+                <a:cs typeface="Calibri"/>
+              </a:rPr>
+              <a:t>that we can choose</a:t>
             </a:r>
           </a:p>
         </p:txBody>
       </p:sp>
       <p:pic>
         <p:nvPicPr>
-          <p:cNvPr id="4" name="Picture 4" descr="Background pattern&#10;&#10;Description automatically generated">
+          <p:cNvPr id="6" name="Image 5" descr="Une image contenant texte&#10;&#10;Description générée automatiquement">
             <a:extLst>
               <a:ext uri="{FF2B5EF4-FFF2-40B4-BE49-F238E27FC236}">
-                <a16:creationId xmlns:a16="http://schemas.microsoft.com/office/drawing/2014/main" id="{DC44A509-087F-4E6D-99D4-D40DEE3A09B0}"/>
+                <a16:creationId xmlns:a16="http://schemas.microsoft.com/office/drawing/2014/main" id="{47A37E60-334A-4241-9CC1-27C93E717EAE}"/>
               </a:ext>
             </a:extLst>
           </p:cNvPr>
@@ -3501,15 +3619,21 @@
           <p:nvPr/>
         </p:nvPicPr>
         <p:blipFill>
-          <a:blip r:embed="rId2"/>
+          <a:blip r:embed="rId2">
+            <a:extLst>
+              <a:ext uri="{28A0092B-C50C-407E-A947-70E740481C1C}">
+                <a14:useLocalDpi xmlns:a14="http://schemas.microsoft.com/office/drawing/2010/main" val="0"/>
+              </a:ext>
+            </a:extLst>
+          </a:blip>
           <a:stretch>
             <a:fillRect/>
           </a:stretch>
         </p:blipFill>
         <p:spPr>
           <a:xfrm>
-            <a:off x="5015578" y="2378015"/>
-            <a:ext cx="2160845" cy="4114800"/>
+            <a:off x="7736382" y="125992"/>
+            <a:ext cx="3090368" cy="6606016"/>
           </a:xfrm>
           <a:prstGeom prst="rect">
             <a:avLst/>
@@ -3548,10 +3672,10 @@
       </p:grpSpPr>
       <p:sp>
         <p:nvSpPr>
-          <p:cNvPr id="2" name="Title 1">
+          <p:cNvPr id="2" name="Titre 1">
             <a:extLst>
               <a:ext uri="{FF2B5EF4-FFF2-40B4-BE49-F238E27FC236}">
-                <a16:creationId xmlns:a16="http://schemas.microsoft.com/office/drawing/2014/main" id="{78FA9DC8-3181-42D0-99DA-B6C17EF025DF}"/>
+                <a16:creationId xmlns:a16="http://schemas.microsoft.com/office/drawing/2014/main" id="{926CFC0C-E8F1-4A6D-BD7B-DBD55CEC5BBC}"/>
               </a:ext>
             </a:extLst>
           </p:cNvPr>
@@ -3573,16 +3697,16 @@
               </a:rPr>
               <a:t>Seating Page</a:t>
             </a:r>
-            <a:endParaRPr lang="en-US" dirty="0"/>
-          </a:p>
-        </p:txBody>
-      </p:sp>
-      <p:sp>
-        <p:nvSpPr>
-          <p:cNvPr id="3" name="Content Placeholder 2">
+            <a:endParaRPr lang="fr-FR" dirty="0"/>
+          </a:p>
+        </p:txBody>
+      </p:sp>
+      <p:sp>
+        <p:nvSpPr>
+          <p:cNvPr id="3" name="Espace réservé du contenu 2">
             <a:extLst>
               <a:ext uri="{FF2B5EF4-FFF2-40B4-BE49-F238E27FC236}">
-                <a16:creationId xmlns:a16="http://schemas.microsoft.com/office/drawing/2014/main" id="{22E7DCC5-B7FF-4E51-AE86-162EDA680007}"/>
+                <a16:creationId xmlns:a16="http://schemas.microsoft.com/office/drawing/2014/main" id="{11AF64FC-5D5A-4601-BB62-68F22B494A2F}"/>
               </a:ext>
             </a:extLst>
           </p:cNvPr>
@@ -3596,45 +3720,49 @@
         <p:spPr>
           <a:xfrm>
             <a:off x="838200" y="1825625"/>
-            <a:ext cx="10515600" cy="467255"/>
+            <a:ext cx="5879123" cy="4351338"/>
           </a:xfrm>
         </p:spPr>
         <p:txBody>
-          <a:bodyPr vert="horz" lIns="91440" tIns="45720" rIns="91440" bIns="45720" rtlCol="0" anchor="t">
-            <a:normAutofit lnSpcReduction="10000"/>
-          </a:bodyPr>
+          <a:bodyPr/>
           <a:lstStyle/>
           <a:p>
             <a:pPr marL="0" indent="0">
               <a:buNone/>
             </a:pPr>
             <a:r>
-              <a:rPr lang="en-US" dirty="0">
-                <a:cs typeface="Calibri"/>
-              </a:rPr>
-              <a:t>When we </a:t>
-            </a:r>
-            <a:r>
-              <a:rPr lang="en-US" dirty="0" err="1">
-                <a:cs typeface="Calibri"/>
-              </a:rPr>
-              <a:t>choosed</a:t>
-            </a:r>
-            <a:r>
-              <a:rPr lang="en-US" dirty="0">
-                <a:cs typeface="Calibri"/>
-              </a:rPr>
-              <a:t> our seats we can go directly on the Booking Page</a:t>
+              <a:rPr lang="fr-FR" dirty="0" err="1"/>
+              <a:t>Then</a:t>
+            </a:r>
+            <a:r>
+              <a:rPr lang="fr-FR" dirty="0"/>
+              <a:t>, </a:t>
+            </a:r>
+            <a:r>
+              <a:rPr lang="fr-FR" dirty="0" err="1"/>
+              <a:t>you</a:t>
+            </a:r>
+            <a:r>
+              <a:rPr lang="fr-FR" dirty="0"/>
+              <a:t> can go in the </a:t>
+            </a:r>
+            <a:r>
+              <a:rPr lang="fr-FR" dirty="0" err="1"/>
+              <a:t>Booking</a:t>
+            </a:r>
+            <a:r>
+              <a:rPr lang="fr-FR" dirty="0"/>
+              <a:t> page</a:t>
             </a:r>
           </a:p>
         </p:txBody>
       </p:sp>
       <p:pic>
         <p:nvPicPr>
-          <p:cNvPr id="4" name="Picture 4" descr="Background pattern&#10;&#10;Description automatically generated">
+          <p:cNvPr id="5" name="Image 4">
             <a:extLst>
               <a:ext uri="{FF2B5EF4-FFF2-40B4-BE49-F238E27FC236}">
-                <a16:creationId xmlns:a16="http://schemas.microsoft.com/office/drawing/2014/main" id="{00BEE94A-09AB-4E92-ABE1-03A95ADED9B4}"/>
+                <a16:creationId xmlns:a16="http://schemas.microsoft.com/office/drawing/2014/main" id="{C7F32B0E-E951-4CD3-BB1D-EA649B7A3569}"/>
               </a:ext>
             </a:extLst>
           </p:cNvPr>
@@ -3644,15 +3772,21 @@
           <p:nvPr/>
         </p:nvPicPr>
         <p:blipFill>
-          <a:blip r:embed="rId2"/>
+          <a:blip r:embed="rId2">
+            <a:extLst>
+              <a:ext uri="{28A0092B-C50C-407E-A947-70E740481C1C}">
+                <a14:useLocalDpi xmlns:a14="http://schemas.microsoft.com/office/drawing/2010/main" val="0"/>
+              </a:ext>
+            </a:extLst>
+          </a:blip>
           <a:stretch>
             <a:fillRect/>
           </a:stretch>
         </p:blipFill>
         <p:spPr>
           <a:xfrm>
-            <a:off x="5018451" y="2378015"/>
-            <a:ext cx="2155098" cy="4114800"/>
+            <a:off x="8006080" y="191055"/>
+            <a:ext cx="2821940" cy="6178471"/>
           </a:xfrm>
           <a:prstGeom prst="rect">
             <a:avLst/>
@@ -3662,7 +3796,7 @@
     </p:spTree>
     <p:extLst>
       <p:ext uri="{BB962C8B-B14F-4D97-AF65-F5344CB8AC3E}">
-        <p14:creationId xmlns:p14="http://schemas.microsoft.com/office/powerpoint/2010/main" val="2835149300"/>
+        <p14:creationId xmlns:p14="http://schemas.microsoft.com/office/powerpoint/2010/main" val="2305231427"/>
       </p:ext>
     </p:extLst>
   </p:cSld>
@@ -3762,10 +3896,10 @@
       </p:sp>
       <p:pic>
         <p:nvPicPr>
-          <p:cNvPr id="4" name="Picture 4" descr="Graphical user interface, application&#10;&#10;Description automatically generated">
+          <p:cNvPr id="7" name="Image 6">
             <a:extLst>
               <a:ext uri="{FF2B5EF4-FFF2-40B4-BE49-F238E27FC236}">
-                <a16:creationId xmlns:a16="http://schemas.microsoft.com/office/drawing/2014/main" id="{0FB07059-77C8-42F5-A6C0-4A2E430EBFF7}"/>
+                <a16:creationId xmlns:a16="http://schemas.microsoft.com/office/drawing/2014/main" id="{107D929D-A306-4015-AF4D-11572C34D616}"/>
               </a:ext>
             </a:extLst>
           </p:cNvPr>
@@ -3775,15 +3909,21 @@
           <p:nvPr/>
         </p:nvPicPr>
         <p:blipFill>
-          <a:blip r:embed="rId2"/>
+          <a:blip r:embed="rId2">
+            <a:extLst>
+              <a:ext uri="{28A0092B-C50C-407E-A947-70E740481C1C}">
+                <a14:useLocalDpi xmlns:a14="http://schemas.microsoft.com/office/drawing/2010/main" val="0"/>
+              </a:ext>
+            </a:extLst>
+          </a:blip>
           <a:stretch>
             <a:fillRect/>
           </a:stretch>
         </p:blipFill>
         <p:spPr>
           <a:xfrm>
-            <a:off x="7984067" y="933573"/>
-            <a:ext cx="3886200" cy="5322532"/>
+            <a:off x="7457440" y="365125"/>
+            <a:ext cx="2788920" cy="6008855"/>
           </a:xfrm>
           <a:prstGeom prst="rect">
             <a:avLst/>
@@ -4012,19 +4152,6 @@
               <a:rPr lang="en-US" dirty="0">
                 <a:cs typeface="Calibri"/>
               </a:rPr>
-              <a:t>On the Home Page, we have to fix the incrementation when we want to select the number of person</a:t>
-            </a:r>
-          </a:p>
-          <a:p>
-            <a:endParaRPr lang="en-US" dirty="0">
-              <a:cs typeface="Calibri"/>
-            </a:endParaRPr>
-          </a:p>
-          <a:p>
-            <a:r>
-              <a:rPr lang="en-US" dirty="0">
-                <a:cs typeface="Calibri"/>
-              </a:rPr>
               <a:t>We also have to make </a:t>
             </a:r>
             <a:r>
@@ -4032,41 +4159,22 @@
                 <a:ea typeface="+mn-lt"/>
                 <a:cs typeface="+mn-lt"/>
               </a:rPr>
-              <a:t>the seats adjacent</a:t>
-            </a:r>
-          </a:p>
-        </p:txBody>
-      </p:sp>
-      <p:pic>
-        <p:nvPicPr>
-          <p:cNvPr id="4" name="Picture 4">
-            <a:extLst>
-              <a:ext uri="{FF2B5EF4-FFF2-40B4-BE49-F238E27FC236}">
-                <a16:creationId xmlns:a16="http://schemas.microsoft.com/office/drawing/2014/main" id="{FAB19716-C303-49FD-B22A-A0C0C67A0E76}"/>
-              </a:ext>
-            </a:extLst>
-          </p:cNvPr>
-          <p:cNvPicPr>
-            <a:picLocks noChangeAspect="1"/>
-          </p:cNvPicPr>
-          <p:nvPr/>
-        </p:nvPicPr>
-        <p:blipFill>
-          <a:blip r:embed="rId2"/>
-          <a:stretch>
-            <a:fillRect/>
-          </a:stretch>
-        </p:blipFill>
-        <p:spPr>
-          <a:xfrm>
-            <a:off x="5801704" y="1794028"/>
-            <a:ext cx="2743200" cy="1874939"/>
-          </a:xfrm>
-          <a:prstGeom prst="rect">
-            <a:avLst/>
-          </a:prstGeom>
-        </p:spPr>
-      </p:pic>
+              <a:t>the seats adjacent when we want to </a:t>
+            </a:r>
+            <a:r>
+              <a:rPr lang="en-US">
+                <a:ea typeface="+mn-lt"/>
+                <a:cs typeface="+mn-lt"/>
+              </a:rPr>
+              <a:t>select them</a:t>
+            </a:r>
+            <a:endParaRPr lang="en-US" dirty="0">
+              <a:ea typeface="+mn-lt"/>
+              <a:cs typeface="+mn-lt"/>
+            </a:endParaRPr>
+          </a:p>
+        </p:txBody>
+      </p:sp>
     </p:spTree>
     <p:extLst>
       <p:ext uri="{BB962C8B-B14F-4D97-AF65-F5344CB8AC3E}">
